--- a/document/Food-Home.pptx
+++ b/document/Food-Home.pptx
@@ -326,7 +326,7 @@
           <a:p>
             <a:fld id="{B413AFE4-1D2E-44D8-92E4-FDF414B69421}" type="datetimeFigureOut">
               <a:rPr lang="en-IN" smtClean="0"/>
-              <a:t>09-03-2023</a:t>
+              <a:t>10-03-2023</a:t>
             </a:fld>
             <a:endParaRPr lang="en-IN"/>
           </a:p>
@@ -664,7 +664,7 @@
           <a:p>
             <a:fld id="{B413AFE4-1D2E-44D8-92E4-FDF414B69421}" type="datetimeFigureOut">
               <a:rPr lang="en-IN" smtClean="0"/>
-              <a:t>09-03-2023</a:t>
+              <a:t>10-03-2023</a:t>
             </a:fld>
             <a:endParaRPr lang="en-IN"/>
           </a:p>
@@ -1065,7 +1065,7 @@
           <a:p>
             <a:fld id="{B413AFE4-1D2E-44D8-92E4-FDF414B69421}" type="datetimeFigureOut">
               <a:rPr lang="en-IN" smtClean="0"/>
-              <a:t>09-03-2023</a:t>
+              <a:t>10-03-2023</a:t>
             </a:fld>
             <a:endParaRPr lang="en-IN"/>
           </a:p>
@@ -1401,7 +1401,7 @@
           <a:p>
             <a:fld id="{B413AFE4-1D2E-44D8-92E4-FDF414B69421}" type="datetimeFigureOut">
               <a:rPr lang="en-IN" smtClean="0"/>
-              <a:t>09-03-2023</a:t>
+              <a:t>10-03-2023</a:t>
             </a:fld>
             <a:endParaRPr lang="en-IN"/>
           </a:p>
@@ -1721,7 +1721,7 @@
           <a:p>
             <a:fld id="{B413AFE4-1D2E-44D8-92E4-FDF414B69421}" type="datetimeFigureOut">
               <a:rPr lang="en-IN" smtClean="0"/>
-              <a:t>09-03-2023</a:t>
+              <a:t>10-03-2023</a:t>
             </a:fld>
             <a:endParaRPr lang="en-IN"/>
           </a:p>
@@ -2117,7 +2117,7 @@
           <a:p>
             <a:fld id="{B413AFE4-1D2E-44D8-92E4-FDF414B69421}" type="datetimeFigureOut">
               <a:rPr lang="en-IN" smtClean="0"/>
-              <a:t>09-03-2023</a:t>
+              <a:t>10-03-2023</a:t>
             </a:fld>
             <a:endParaRPr lang="en-IN"/>
           </a:p>
@@ -2374,7 +2374,7 @@
           <a:p>
             <a:fld id="{B413AFE4-1D2E-44D8-92E4-FDF414B69421}" type="datetimeFigureOut">
               <a:rPr lang="en-IN" smtClean="0"/>
-              <a:t>09-03-2023</a:t>
+              <a:t>10-03-2023</a:t>
             </a:fld>
             <a:endParaRPr lang="en-IN"/>
           </a:p>
@@ -2636,7 +2636,7 @@
           <a:p>
             <a:fld id="{B413AFE4-1D2E-44D8-92E4-FDF414B69421}" type="datetimeFigureOut">
               <a:rPr lang="en-IN" smtClean="0"/>
-              <a:t>09-03-2023</a:t>
+              <a:t>10-03-2023</a:t>
             </a:fld>
             <a:endParaRPr lang="en-IN"/>
           </a:p>
@@ -2898,7 +2898,7 @@
           <a:p>
             <a:fld id="{B413AFE4-1D2E-44D8-92E4-FDF414B69421}" type="datetimeFigureOut">
               <a:rPr lang="en-IN" smtClean="0"/>
-              <a:t>09-03-2023</a:t>
+              <a:t>10-03-2023</a:t>
             </a:fld>
             <a:endParaRPr lang="en-IN"/>
           </a:p>
@@ -3227,7 +3227,7 @@
           <a:p>
             <a:fld id="{B413AFE4-1D2E-44D8-92E4-FDF414B69421}" type="datetimeFigureOut">
               <a:rPr lang="en-IN" smtClean="0"/>
-              <a:t>09-03-2023</a:t>
+              <a:t>10-03-2023</a:t>
             </a:fld>
             <a:endParaRPr lang="en-IN"/>
           </a:p>
@@ -3550,7 +3550,7 @@
           <a:p>
             <a:fld id="{B413AFE4-1D2E-44D8-92E4-FDF414B69421}" type="datetimeFigureOut">
               <a:rPr lang="en-IN" smtClean="0"/>
-              <a:t>09-03-2023</a:t>
+              <a:t>10-03-2023</a:t>
             </a:fld>
             <a:endParaRPr lang="en-IN"/>
           </a:p>
@@ -4007,7 +4007,7 @@
           <a:p>
             <a:fld id="{B413AFE4-1D2E-44D8-92E4-FDF414B69421}" type="datetimeFigureOut">
               <a:rPr lang="en-IN" smtClean="0"/>
-              <a:t>09-03-2023</a:t>
+              <a:t>10-03-2023</a:t>
             </a:fld>
             <a:endParaRPr lang="en-IN"/>
           </a:p>
@@ -4212,7 +4212,7 @@
           <a:p>
             <a:fld id="{B413AFE4-1D2E-44D8-92E4-FDF414B69421}" type="datetimeFigureOut">
               <a:rPr lang="en-IN" smtClean="0"/>
-              <a:t>09-03-2023</a:t>
+              <a:t>10-03-2023</a:t>
             </a:fld>
             <a:endParaRPr lang="en-IN"/>
           </a:p>
@@ -4389,7 +4389,7 @@
           <a:p>
             <a:fld id="{B413AFE4-1D2E-44D8-92E4-FDF414B69421}" type="datetimeFigureOut">
               <a:rPr lang="en-IN" smtClean="0"/>
-              <a:t>09-03-2023</a:t>
+              <a:t>10-03-2023</a:t>
             </a:fld>
             <a:endParaRPr lang="en-IN"/>
           </a:p>
@@ -4722,7 +4722,7 @@
           <a:p>
             <a:fld id="{B413AFE4-1D2E-44D8-92E4-FDF414B69421}" type="datetimeFigureOut">
               <a:rPr lang="en-IN" smtClean="0"/>
-              <a:t>09-03-2023</a:t>
+              <a:t>10-03-2023</a:t>
             </a:fld>
             <a:endParaRPr lang="en-IN"/>
           </a:p>
@@ -5067,7 +5067,7 @@
           <a:p>
             <a:fld id="{B413AFE4-1D2E-44D8-92E4-FDF414B69421}" type="datetimeFigureOut">
               <a:rPr lang="en-IN" smtClean="0"/>
-              <a:t>09-03-2023</a:t>
+              <a:t>10-03-2023</a:t>
             </a:fld>
             <a:endParaRPr lang="en-IN"/>
           </a:p>
@@ -7184,7 +7184,7 @@
           <a:p>
             <a:fld id="{B413AFE4-1D2E-44D8-92E4-FDF414B69421}" type="datetimeFigureOut">
               <a:rPr lang="en-IN" smtClean="0"/>
-              <a:t>09-03-2023</a:t>
+              <a:t>10-03-2023</a:t>
             </a:fld>
             <a:endParaRPr lang="en-IN"/>
           </a:p>
@@ -8140,6 +8140,49 @@
           </a:effectLst>
         </p:spPr>
       </p:pic>
+      <p:pic>
+        <p:nvPicPr>
+          <p:cNvPr id="5" name="Picture 4" descr="C:\Users\USER\Pictures\Screenshots\Screenshot (90).png"/>
+          <p:cNvPicPr/>
+          <p:nvPr/>
+        </p:nvPicPr>
+        <p:blipFill>
+          <a:blip r:embed="rId3">
+            <a:extLst>
+              <a:ext uri="{28A0092B-C50C-407E-A947-70E740481C1C}">
+                <a14:useLocalDpi xmlns:a14="http://schemas.microsoft.com/office/drawing/2010/main" val="0"/>
+              </a:ext>
+            </a:extLst>
+          </a:blip>
+          <a:srcRect/>
+          <a:stretch>
+            <a:fillRect/>
+          </a:stretch>
+        </p:blipFill>
+        <p:spPr bwMode="auto">
+          <a:xfrm>
+            <a:off x="0" y="668740"/>
+            <a:ext cx="12192000" cy="6189260"/>
+          </a:xfrm>
+          <a:prstGeom prst="rect">
+            <a:avLst/>
+          </a:prstGeom>
+          <a:ln w="38100" cap="sq">
+            <a:solidFill>
+              <a:srgbClr val="000000"/>
+            </a:solidFill>
+            <a:prstDash val="solid"/>
+            <a:miter lim="800000"/>
+          </a:ln>
+          <a:effectLst>
+            <a:outerShdw blurRad="50800" dist="38100" dir="2700000" algn="tl" rotWithShape="0">
+              <a:srgbClr val="000000">
+                <a:alpha val="43000"/>
+              </a:srgbClr>
+            </a:outerShdw>
+          </a:effectLst>
+        </p:spPr>
+      </p:pic>
     </p:spTree>
     <p:extLst>
       <p:ext uri="{BB962C8B-B14F-4D97-AF65-F5344CB8AC3E}">
@@ -8807,16 +8850,6 @@
               </a:rPr>
               <a:t>sequence diagram for login</a:t>
             </a:r>
-            <a:endParaRPr lang="en-IN" b="1" dirty="0">
-              <a:solidFill>
-                <a:schemeClr val="tx1">
-                  <a:lumMod val="95000"/>
-                  <a:lumOff val="5000"/>
-                </a:schemeClr>
-              </a:solidFill>
-              <a:latin typeface="Times New Roman" panose="02020603050405020304" pitchFamily="18" charset="0"/>
-              <a:cs typeface="Times New Roman" panose="02020603050405020304" pitchFamily="18" charset="0"/>
-            </a:endParaRPr>
           </a:p>
         </p:txBody>
       </p:sp>
@@ -11209,7 +11242,7 @@
           <p:cNvPr id="5" name="Rectangle 4">
             <a:extLst>
               <a:ext uri="{FF2B5EF4-FFF2-40B4-BE49-F238E27FC236}">
-                <a16:creationId xmlns:a16="http://schemas.microsoft.com/office/drawing/2014/main" xmlns="" id="{F0B50BDA-9DD3-47E4-8852-4E61CF2A00B0}"/>
+                <a16:creationId xmlns="" xmlns:a16="http://schemas.microsoft.com/office/drawing/2014/main" id="{F0B50BDA-9DD3-47E4-8852-4E61CF2A00B0}"/>
               </a:ext>
             </a:extLst>
           </p:cNvPr>
@@ -13355,15 +13388,11 @@
       </p:sp>
       <p:pic>
         <p:nvPicPr>
-          <p:cNvPr id="6" name="Content Placeholder 5"/>
-          <p:cNvPicPr>
-            <a:picLocks noGrp="1" noChangeAspect="1"/>
-          </p:cNvPicPr>
-          <p:nvPr>
-            <p:ph idx="1"/>
-          </p:nvPr>
+          <p:cNvPr id="4" name="Picture 3" descr="C:\Users\USER\Pictures\Screenshots\Screenshot (88).png"/>
+          <p:cNvPicPr/>
+          <p:nvPr/>
         </p:nvPicPr>
-        <p:blipFill rotWithShape="1">
+        <p:blipFill>
           <a:blip r:embed="rId2">
             <a:extLst>
               <a:ext uri="{28A0092B-C50C-407E-A947-70E740481C1C}">
@@ -13371,13 +13400,15 @@
               </a:ext>
             </a:extLst>
           </a:blip>
-          <a:srcRect l="16159" t="28620" r="34635" b="14405"/>
-          <a:stretch/>
+          <a:srcRect/>
+          <a:stretch>
+            <a:fillRect/>
+          </a:stretch>
         </p:blipFill>
-        <p:spPr>
+        <p:spPr bwMode="auto">
           <a:xfrm>
-            <a:off x="1" y="723900"/>
-            <a:ext cx="12192000" cy="6134100"/>
+            <a:off x="524656" y="584616"/>
+            <a:ext cx="11017770" cy="6273383"/>
           </a:xfrm>
           <a:prstGeom prst="rect">
             <a:avLst/>

--- a/document/Food-Home.pptx
+++ b/document/Food-Home.pptx
@@ -326,7 +326,7 @@
           <a:p>
             <a:fld id="{B413AFE4-1D2E-44D8-92E4-FDF414B69421}" type="datetimeFigureOut">
               <a:rPr lang="en-IN" smtClean="0"/>
-              <a:t>10-03-2023</a:t>
+              <a:t>11-03-2023</a:t>
             </a:fld>
             <a:endParaRPr lang="en-IN"/>
           </a:p>
@@ -664,7 +664,7 @@
           <a:p>
             <a:fld id="{B413AFE4-1D2E-44D8-92E4-FDF414B69421}" type="datetimeFigureOut">
               <a:rPr lang="en-IN" smtClean="0"/>
-              <a:t>10-03-2023</a:t>
+              <a:t>11-03-2023</a:t>
             </a:fld>
             <a:endParaRPr lang="en-IN"/>
           </a:p>
@@ -1065,7 +1065,7 @@
           <a:p>
             <a:fld id="{B413AFE4-1D2E-44D8-92E4-FDF414B69421}" type="datetimeFigureOut">
               <a:rPr lang="en-IN" smtClean="0"/>
-              <a:t>10-03-2023</a:t>
+              <a:t>11-03-2023</a:t>
             </a:fld>
             <a:endParaRPr lang="en-IN"/>
           </a:p>
@@ -1401,7 +1401,7 @@
           <a:p>
             <a:fld id="{B413AFE4-1D2E-44D8-92E4-FDF414B69421}" type="datetimeFigureOut">
               <a:rPr lang="en-IN" smtClean="0"/>
-              <a:t>10-03-2023</a:t>
+              <a:t>11-03-2023</a:t>
             </a:fld>
             <a:endParaRPr lang="en-IN"/>
           </a:p>
@@ -1721,7 +1721,7 @@
           <a:p>
             <a:fld id="{B413AFE4-1D2E-44D8-92E4-FDF414B69421}" type="datetimeFigureOut">
               <a:rPr lang="en-IN" smtClean="0"/>
-              <a:t>10-03-2023</a:t>
+              <a:t>11-03-2023</a:t>
             </a:fld>
             <a:endParaRPr lang="en-IN"/>
           </a:p>
@@ -2117,7 +2117,7 @@
           <a:p>
             <a:fld id="{B413AFE4-1D2E-44D8-92E4-FDF414B69421}" type="datetimeFigureOut">
               <a:rPr lang="en-IN" smtClean="0"/>
-              <a:t>10-03-2023</a:t>
+              <a:t>11-03-2023</a:t>
             </a:fld>
             <a:endParaRPr lang="en-IN"/>
           </a:p>
@@ -2374,7 +2374,7 @@
           <a:p>
             <a:fld id="{B413AFE4-1D2E-44D8-92E4-FDF414B69421}" type="datetimeFigureOut">
               <a:rPr lang="en-IN" smtClean="0"/>
-              <a:t>10-03-2023</a:t>
+              <a:t>11-03-2023</a:t>
             </a:fld>
             <a:endParaRPr lang="en-IN"/>
           </a:p>
@@ -2636,7 +2636,7 @@
           <a:p>
             <a:fld id="{B413AFE4-1D2E-44D8-92E4-FDF414B69421}" type="datetimeFigureOut">
               <a:rPr lang="en-IN" smtClean="0"/>
-              <a:t>10-03-2023</a:t>
+              <a:t>11-03-2023</a:t>
             </a:fld>
             <a:endParaRPr lang="en-IN"/>
           </a:p>
@@ -2898,7 +2898,7 @@
           <a:p>
             <a:fld id="{B413AFE4-1D2E-44D8-92E4-FDF414B69421}" type="datetimeFigureOut">
               <a:rPr lang="en-IN" smtClean="0"/>
-              <a:t>10-03-2023</a:t>
+              <a:t>11-03-2023</a:t>
             </a:fld>
             <a:endParaRPr lang="en-IN"/>
           </a:p>
@@ -3227,7 +3227,7 @@
           <a:p>
             <a:fld id="{B413AFE4-1D2E-44D8-92E4-FDF414B69421}" type="datetimeFigureOut">
               <a:rPr lang="en-IN" smtClean="0"/>
-              <a:t>10-03-2023</a:t>
+              <a:t>11-03-2023</a:t>
             </a:fld>
             <a:endParaRPr lang="en-IN"/>
           </a:p>
@@ -3550,7 +3550,7 @@
           <a:p>
             <a:fld id="{B413AFE4-1D2E-44D8-92E4-FDF414B69421}" type="datetimeFigureOut">
               <a:rPr lang="en-IN" smtClean="0"/>
-              <a:t>10-03-2023</a:t>
+              <a:t>11-03-2023</a:t>
             </a:fld>
             <a:endParaRPr lang="en-IN"/>
           </a:p>
@@ -4007,7 +4007,7 @@
           <a:p>
             <a:fld id="{B413AFE4-1D2E-44D8-92E4-FDF414B69421}" type="datetimeFigureOut">
               <a:rPr lang="en-IN" smtClean="0"/>
-              <a:t>10-03-2023</a:t>
+              <a:t>11-03-2023</a:t>
             </a:fld>
             <a:endParaRPr lang="en-IN"/>
           </a:p>
@@ -4212,7 +4212,7 @@
           <a:p>
             <a:fld id="{B413AFE4-1D2E-44D8-92E4-FDF414B69421}" type="datetimeFigureOut">
               <a:rPr lang="en-IN" smtClean="0"/>
-              <a:t>10-03-2023</a:t>
+              <a:t>11-03-2023</a:t>
             </a:fld>
             <a:endParaRPr lang="en-IN"/>
           </a:p>
@@ -4389,7 +4389,7 @@
           <a:p>
             <a:fld id="{B413AFE4-1D2E-44D8-92E4-FDF414B69421}" type="datetimeFigureOut">
               <a:rPr lang="en-IN" smtClean="0"/>
-              <a:t>10-03-2023</a:t>
+              <a:t>11-03-2023</a:t>
             </a:fld>
             <a:endParaRPr lang="en-IN"/>
           </a:p>
@@ -4722,7 +4722,7 @@
           <a:p>
             <a:fld id="{B413AFE4-1D2E-44D8-92E4-FDF414B69421}" type="datetimeFigureOut">
               <a:rPr lang="en-IN" smtClean="0"/>
-              <a:t>10-03-2023</a:t>
+              <a:t>11-03-2023</a:t>
             </a:fld>
             <a:endParaRPr lang="en-IN"/>
           </a:p>
@@ -5067,7 +5067,7 @@
           <a:p>
             <a:fld id="{B413AFE4-1D2E-44D8-92E4-FDF414B69421}" type="datetimeFigureOut">
               <a:rPr lang="en-IN" smtClean="0"/>
-              <a:t>10-03-2023</a:t>
+              <a:t>11-03-2023</a:t>
             </a:fld>
             <a:endParaRPr lang="en-IN"/>
           </a:p>
@@ -7184,7 +7184,7 @@
           <a:p>
             <a:fld id="{B413AFE4-1D2E-44D8-92E4-FDF414B69421}" type="datetimeFigureOut">
               <a:rPr lang="en-IN" smtClean="0"/>
-              <a:t>10-03-2023</a:t>
+              <a:t>11-03-2023</a:t>
             </a:fld>
             <a:endParaRPr lang="en-IN"/>
           </a:p>
@@ -10402,7 +10402,7 @@
       </p:pic>
       <p:pic>
         <p:nvPicPr>
-          <p:cNvPr id="7" name="Picture 6"/>
+          <p:cNvPr id="2" name="Picture 1"/>
           <p:cNvPicPr>
             <a:picLocks noChangeAspect="1"/>
           </p:cNvPicPr>
@@ -10422,8 +10422,8 @@
         </p:blipFill>
         <p:spPr>
           <a:xfrm>
-            <a:off x="212597" y="3659274"/>
-            <a:ext cx="5689401" cy="3198726"/>
+            <a:off x="106298" y="3539746"/>
+            <a:ext cx="5901998" cy="3318254"/>
           </a:xfrm>
           <a:prstGeom prst="rect">
             <a:avLst/>
@@ -11805,23 +11805,6 @@
                 <a:cs typeface="Times New Roman" panose="02020603050405020304" pitchFamily="18" charset="0"/>
               </a:rPr>
               <a:t>can search for mess menus, and special dishes at their convenience.</a:t>
-            </a:r>
-          </a:p>
-          <a:p>
-            <a:pPr algn="just"/>
-            <a:r>
-              <a:rPr lang="en-IN" sz="2400" dirty="0" smtClean="0">
-                <a:latin typeface="Times New Roman" panose="02020603050405020304" pitchFamily="18" charset="0"/>
-                <a:cs typeface="Times New Roman" panose="02020603050405020304" pitchFamily="18" charset="0"/>
-              </a:rPr>
-              <a:t>Mess </a:t>
-            </a:r>
-            <a:r>
-              <a:rPr lang="en-IN" sz="2400" dirty="0">
-                <a:latin typeface="Times New Roman" panose="02020603050405020304" pitchFamily="18" charset="0"/>
-                <a:cs typeface="Times New Roman" panose="02020603050405020304" pitchFamily="18" charset="0"/>
-              </a:rPr>
-              <a:t>owners can search for consumers available and their interests.</a:t>
             </a:r>
           </a:p>
           <a:p>
